--- a/Equations.pptx
+++ b/Equations.pptx
@@ -116,7 +116,7 @@
 <file path=ppt/revisionInfo.xml><?xml version="1.0" encoding="utf-8"?>
 <p1510:revInfo xmlns:a="http://schemas.openxmlformats.org/drawingml/2006/main" xmlns:r="http://schemas.openxmlformats.org/officeDocument/2006/relationships" xmlns:p1510="http://schemas.microsoft.com/office/powerpoint/2015/10/main">
   <p1510:revLst>
-    <p1510:client id="{9F879BC2-347B-4405-9465-706C69F969BC}" v="30" dt="2025-09-05T18:26:19.305"/>
+    <p1510:client id="{9F879BC2-347B-4405-9465-706C69F969BC}" v="32" dt="2025-09-06T01:27:08.131"/>
   </p1510:revLst>
 </p1510:revInfo>
 </file>
@@ -126,12 +126,12 @@
   <pc:docChgLst>
     <pc:chgData name="Panpan Zhou" userId="bc1e451ffa31c209" providerId="LiveId" clId="{639A61F7-3EB0-4E84-8ADC-362B975B19BA}"/>
     <pc:docChg chg="modSld">
-      <pc:chgData name="Panpan Zhou" userId="bc1e451ffa31c209" providerId="LiveId" clId="{639A61F7-3EB0-4E84-8ADC-362B975B19BA}" dt="2025-09-05T18:26:19.305" v="29" actId="931"/>
+      <pc:chgData name="Panpan Zhou" userId="bc1e451ffa31c209" providerId="LiveId" clId="{639A61F7-3EB0-4E84-8ADC-362B975B19BA}" dt="2025-09-06T01:27:10.801" v="33" actId="1076"/>
       <pc:docMkLst>
         <pc:docMk/>
       </pc:docMkLst>
-      <pc:sldChg chg="addSp delSp modSp">
-        <pc:chgData name="Panpan Zhou" userId="bc1e451ffa31c209" providerId="LiveId" clId="{639A61F7-3EB0-4E84-8ADC-362B975B19BA}" dt="2025-09-05T16:47:42.545" v="26" actId="931"/>
+      <pc:sldChg chg="addSp delSp modSp mod">
+        <pc:chgData name="Panpan Zhou" userId="bc1e451ffa31c209" providerId="LiveId" clId="{639A61F7-3EB0-4E84-8ADC-362B975B19BA}" dt="2025-09-06T01:27:10.801" v="33" actId="1076"/>
         <pc:sldMkLst>
           <pc:docMk/>
           <pc:sldMk cId="716987494" sldId="257"/>
@@ -152,6 +152,22 @@
             <ac:spMk id="3" creationId="{EFA8D37F-284F-F3DD-4C8C-BE73CAC75CFD}"/>
           </ac:spMkLst>
         </pc:spChg>
+        <pc:picChg chg="add mod">
+          <ac:chgData name="Panpan Zhou" userId="bc1e451ffa31c209" providerId="LiveId" clId="{639A61F7-3EB0-4E84-8ADC-362B975B19BA}" dt="2025-09-06T01:26:56.886" v="31" actId="1076"/>
+          <ac:picMkLst>
+            <pc:docMk/>
+            <pc:sldMk cId="716987494" sldId="257"/>
+            <ac:picMk id="3" creationId="{6EA98CEE-6115-B9E8-429A-D5287DCBDACB}"/>
+          </ac:picMkLst>
+        </pc:picChg>
+        <pc:picChg chg="add mod">
+          <ac:chgData name="Panpan Zhou" userId="bc1e451ffa31c209" providerId="LiveId" clId="{639A61F7-3EB0-4E84-8ADC-362B975B19BA}" dt="2025-09-06T01:27:10.801" v="33" actId="1076"/>
+          <ac:picMkLst>
+            <pc:docMk/>
+            <pc:sldMk cId="716987494" sldId="257"/>
+            <ac:picMk id="5" creationId="{9B75EA6A-05F0-9AB9-B4E1-7CDFCE50843D}"/>
+          </ac:picMkLst>
+        </pc:picChg>
         <pc:picChg chg="add mod">
           <ac:chgData name="Panpan Zhou" userId="bc1e451ffa31c209" providerId="LiveId" clId="{639A61F7-3EB0-4E84-8ADC-362B975B19BA}" dt="2025-09-05T16:30:27.365" v="23"/>
           <ac:picMkLst>
@@ -3537,6 +3553,78 @@
           <a:xfrm>
             <a:off x="1604759" y="2238349"/>
             <a:ext cx="2857899" cy="714475"/>
+          </a:xfrm>
+          <a:prstGeom prst="rect">
+            <a:avLst/>
+          </a:prstGeom>
+        </p:spPr>
+      </p:pic>
+      <p:pic>
+        <p:nvPicPr>
+          <p:cNvPr id="3" name="Picture 2">
+            <a:extLst>
+              <a:ext uri="{FF2B5EF4-FFF2-40B4-BE49-F238E27FC236}">
+                <a16:creationId xmlns:a16="http://schemas.microsoft.com/office/drawing/2014/main" id="{6EA98CEE-6115-B9E8-429A-D5287DCBDACB}"/>
+              </a:ext>
+            </a:extLst>
+          </p:cNvPr>
+          <p:cNvPicPr>
+            <a:picLocks noChangeAspect="1"/>
+          </p:cNvPicPr>
+          <p:nvPr/>
+        </p:nvPicPr>
+        <p:blipFill>
+          <a:blip r:embed="rId5">
+            <a:extLst>
+              <a:ext uri="{28A0092B-C50C-407E-A947-70E740481C1C}">
+                <a14:useLocalDpi xmlns:a14="http://schemas.microsoft.com/office/drawing/2010/main" val="0"/>
+              </a:ext>
+            </a:extLst>
+          </a:blip>
+          <a:stretch>
+            <a:fillRect/>
+          </a:stretch>
+        </p:blipFill>
+        <p:spPr>
+          <a:xfrm>
+            <a:off x="3202688" y="3724176"/>
+            <a:ext cx="2695951" cy="362001"/>
+          </a:xfrm>
+          <a:prstGeom prst="rect">
+            <a:avLst/>
+          </a:prstGeom>
+        </p:spPr>
+      </p:pic>
+      <p:pic>
+        <p:nvPicPr>
+          <p:cNvPr id="5" name="Picture 4">
+            <a:extLst>
+              <a:ext uri="{FF2B5EF4-FFF2-40B4-BE49-F238E27FC236}">
+                <a16:creationId xmlns:a16="http://schemas.microsoft.com/office/drawing/2014/main" id="{9B75EA6A-05F0-9AB9-B4E1-7CDFCE50843D}"/>
+              </a:ext>
+            </a:extLst>
+          </p:cNvPr>
+          <p:cNvPicPr>
+            <a:picLocks noChangeAspect="1"/>
+          </p:cNvPicPr>
+          <p:nvPr/>
+        </p:nvPicPr>
+        <p:blipFill>
+          <a:blip r:embed="rId6">
+            <a:extLst>
+              <a:ext uri="{28A0092B-C50C-407E-A947-70E740481C1C}">
+                <a14:useLocalDpi xmlns:a14="http://schemas.microsoft.com/office/drawing/2010/main" val="0"/>
+              </a:ext>
+            </a:extLst>
+          </a:blip>
+          <a:stretch>
+            <a:fillRect/>
+          </a:stretch>
+        </p:blipFill>
+        <p:spPr>
+          <a:xfrm>
+            <a:off x="6253739" y="3681307"/>
+            <a:ext cx="1619476" cy="447737"/>
           </a:xfrm>
           <a:prstGeom prst="rect">
             <a:avLst/>
